--- a/Lite Tech Report.pptx
+++ b/Lite Tech Report.pptx
@@ -170,6 +170,9 @@
         </p14:section>
       </p14:sectionLst>
     </p:ext>
+    <p:ext uri="{EFAFB233-063F-42B5-8137-9DF3F51BA10A}">
+      <p15:sldGuideLst xmlns:p15="http://schemas.microsoft.com/office/powerpoint/2012/main"/>
+    </p:ext>
   </p:extLst>
 </p:presentation>
 </file>
@@ -313,7 +316,7 @@
           <a:p>
             <a:fld id="{48A87A34-81AB-432B-8DAE-1953F412C126}" type="datetimeFigureOut">
               <a:rPr lang="en-US" dirty="0"/>
-              <a:t>7/25/22</a:t>
+              <a:t>7/26/22</a:t>
             </a:fld>
             <a:endParaRPr lang="en-US" dirty="0"/>
           </a:p>
@@ -519,7 +522,7 @@
           <a:p>
             <a:fld id="{48A87A34-81AB-432B-8DAE-1953F412C126}" type="datetimeFigureOut">
               <a:rPr lang="en-US" dirty="0"/>
-              <a:t>7/25/22</a:t>
+              <a:t>7/26/22</a:t>
             </a:fld>
             <a:endParaRPr lang="en-US" dirty="0"/>
           </a:p>
@@ -729,7 +732,7 @@
           <a:p>
             <a:fld id="{48A87A34-81AB-432B-8DAE-1953F412C126}" type="datetimeFigureOut">
               <a:rPr lang="en-US" dirty="0"/>
-              <a:t>7/25/22</a:t>
+              <a:t>7/26/22</a:t>
             </a:fld>
             <a:endParaRPr lang="en-US" dirty="0"/>
           </a:p>
@@ -925,7 +928,7 @@
           <a:p>
             <a:fld id="{48A87A34-81AB-432B-8DAE-1953F412C126}" type="datetimeFigureOut">
               <a:rPr lang="en-US" dirty="0"/>
-              <a:t>7/25/22</a:t>
+              <a:t>7/26/22</a:t>
             </a:fld>
             <a:endParaRPr lang="en-US" dirty="0"/>
           </a:p>
@@ -1199,7 +1202,7 @@
           <a:p>
             <a:fld id="{48A87A34-81AB-432B-8DAE-1953F412C126}" type="datetimeFigureOut">
               <a:rPr lang="en-US" dirty="0"/>
-              <a:t>7/25/22</a:t>
+              <a:t>7/26/22</a:t>
             </a:fld>
             <a:endParaRPr lang="en-US" dirty="0"/>
           </a:p>
@@ -1462,7 +1465,7 @@
           <a:p>
             <a:fld id="{48A87A34-81AB-432B-8DAE-1953F412C126}" type="datetimeFigureOut">
               <a:rPr lang="en-US" dirty="0"/>
-              <a:t>7/25/22</a:t>
+              <a:t>7/26/22</a:t>
             </a:fld>
             <a:endParaRPr lang="en-US" dirty="0"/>
           </a:p>
@@ -1873,7 +1876,7 @@
           <a:p>
             <a:fld id="{48A87A34-81AB-432B-8DAE-1953F412C126}" type="datetimeFigureOut">
               <a:rPr lang="en-US" dirty="0"/>
-              <a:t>7/25/22</a:t>
+              <a:t>7/26/22</a:t>
             </a:fld>
             <a:endParaRPr lang="en-US" dirty="0"/>
           </a:p>
@@ -2017,7 +2020,7 @@
           <a:p>
             <a:fld id="{48A87A34-81AB-432B-8DAE-1953F412C126}" type="datetimeFigureOut">
               <a:rPr lang="en-US" dirty="0"/>
-              <a:t>7/25/22</a:t>
+              <a:t>7/26/22</a:t>
             </a:fld>
             <a:endParaRPr lang="en-US" dirty="0"/>
           </a:p>
@@ -2138,7 +2141,7 @@
           <a:p>
             <a:fld id="{48A87A34-81AB-432B-8DAE-1953F412C126}" type="datetimeFigureOut">
               <a:rPr lang="en-US" dirty="0"/>
-              <a:t>7/25/22</a:t>
+              <a:t>7/26/22</a:t>
             </a:fld>
             <a:endParaRPr lang="en-US" dirty="0"/>
           </a:p>
@@ -2384,7 +2387,7 @@
           <a:p>
             <a:fld id="{48A87A34-81AB-432B-8DAE-1953F412C126}" type="datetimeFigureOut">
               <a:rPr lang="en-US" dirty="0"/>
-              <a:t>7/25/22</a:t>
+              <a:t>7/26/22</a:t>
             </a:fld>
             <a:endParaRPr lang="en-US" dirty="0"/>
           </a:p>
@@ -2825,7 +2828,7 @@
             <a:fld id="{48A87A34-81AB-432B-8DAE-1953F412C126}" type="datetimeFigureOut">
               <a:rPr lang="en-US" dirty="0"/>
               <a:pPr/>
-              <a:t>7/25/22</a:t>
+              <a:t>7/26/22</a:t>
             </a:fld>
             <a:endParaRPr lang="en-US" dirty="0"/>
           </a:p>
@@ -3148,7 +3151,7 @@
             <a:fld id="{48A87A34-81AB-432B-8DAE-1953F412C126}" type="datetimeFigureOut">
               <a:rPr lang="en-US" dirty="0"/>
               <a:pPr/>
-              <a:t>7/25/22</a:t>
+              <a:t>7/26/22</a:t>
             </a:fld>
             <a:endParaRPr lang="en-US" dirty="0"/>
           </a:p>
@@ -9493,10 +9496,10 @@
       </p:sp>
       <p:pic>
         <p:nvPicPr>
-          <p:cNvPr id="5" name="Picture 4" descr="Diagram&#10;&#10;Description automatically generated">
-            <a:extLst>
-              <a:ext uri="{FF2B5EF4-FFF2-40B4-BE49-F238E27FC236}">
-                <a16:creationId xmlns:a16="http://schemas.microsoft.com/office/drawing/2014/main" id="{E3FDBFD9-BF3C-5D30-AD6F-6DCD439D7A75}"/>
+          <p:cNvPr id="7" name="Picture 6">
+            <a:extLst>
+              <a:ext uri="{FF2B5EF4-FFF2-40B4-BE49-F238E27FC236}">
+                <a16:creationId xmlns:a16="http://schemas.microsoft.com/office/drawing/2014/main" id="{D1D9BB62-6067-A35A-E149-E631F192CD16}"/>
               </a:ext>
             </a:extLst>
           </p:cNvPr>
@@ -9513,8 +9516,8 @@
         </p:blipFill>
         <p:spPr>
           <a:xfrm>
-            <a:off x="-357188" y="0"/>
-            <a:ext cx="12549188" cy="6858000"/>
+            <a:off x="0" y="0"/>
+            <a:ext cx="12454759" cy="6858000"/>
           </a:xfrm>
           <a:prstGeom prst="rect">
             <a:avLst/>
@@ -9535,7 +9538,7 @@
         </p:nvSpPr>
         <p:spPr>
           <a:xfrm>
-            <a:off x="3167063" y="6396335"/>
+            <a:off x="3766151" y="6246492"/>
             <a:ext cx="3786187" cy="461665"/>
           </a:xfrm>
           <a:prstGeom prst="rect">
